--- a/PiPR/Predstavitev projekta.pptx
+++ b/PiPR/Predstavitev projekta.pptx
@@ -9,7 +9,8 @@
     <p:sldId id="257" r:id="rId3"/>
     <p:sldId id="265" r:id="rId4"/>
     <p:sldId id="266" r:id="rId5"/>
-    <p:sldId id="264" r:id="rId6"/>
+    <p:sldId id="267" r:id="rId6"/>
+    <p:sldId id="264" r:id="rId7"/>
   </p:sldIdLst>
   <p:sldSz cx="12192000" cy="6858000"/>
   <p:notesSz cx="6858000" cy="9144000"/>
@@ -117,6 +118,7 @@
             <p14:sldId id="257"/>
             <p14:sldId id="265"/>
             <p14:sldId id="266"/>
+            <p14:sldId id="267"/>
             <p14:sldId id="264"/>
           </p14:sldIdLst>
         </p14:section>
@@ -23460,6 +23462,190 @@
 <file path=ppt/slides/slide5.xml><?xml version="1.0" encoding="utf-8"?>
 <p:sld xmlns:a="http://schemas.openxmlformats.org/drawingml/2006/main" xmlns:r="http://schemas.openxmlformats.org/officeDocument/2006/relationships" xmlns:p="http://schemas.openxmlformats.org/presentationml/2006/main">
   <p:cSld>
+    <p:spTree>
+      <p:nvGrpSpPr>
+        <p:cNvPr id="1" name=""/>
+        <p:cNvGrpSpPr/>
+        <p:nvPr/>
+      </p:nvGrpSpPr>
+      <p:grpSpPr>
+        <a:xfrm>
+          <a:off x="0" y="0"/>
+          <a:ext cx="0" cy="0"/>
+          <a:chOff x="0" y="0"/>
+          <a:chExt cx="0" cy="0"/>
+        </a:xfrm>
+      </p:grpSpPr>
+      <p:sp>
+        <p:nvSpPr>
+          <p:cNvPr id="2" name="Title 1">
+            <a:extLst>
+              <a:ext uri="{FF2B5EF4-FFF2-40B4-BE49-F238E27FC236}">
+                <a16:creationId xmlns:a16="http://schemas.microsoft.com/office/drawing/2014/main" id="{FE5FDF9F-A04D-31B0-2DD0-9B6C7911EF42}"/>
+              </a:ext>
+            </a:extLst>
+          </p:cNvPr>
+          <p:cNvSpPr>
+            <a:spLocks noGrp="1"/>
+          </p:cNvSpPr>
+          <p:nvPr>
+            <p:ph type="title"/>
+          </p:nvPr>
+        </p:nvSpPr>
+        <p:spPr>
+          <a:xfrm>
+            <a:off x="565150" y="770890"/>
+            <a:ext cx="7335835" cy="850520"/>
+          </a:xfrm>
+        </p:spPr>
+        <p:txBody>
+          <a:bodyPr/>
+          <a:lstStyle/>
+          <a:p>
+            <a:r>
+              <a:rPr lang="en-US" dirty="0" err="1"/>
+              <a:t>Rudarjenje</a:t>
+            </a:r>
+            <a:endParaRPr lang="en-US" dirty="0"/>
+          </a:p>
+        </p:txBody>
+      </p:sp>
+      <p:pic>
+        <p:nvPicPr>
+          <p:cNvPr id="3" name="Picture 2">
+            <a:extLst>
+              <a:ext uri="{FF2B5EF4-FFF2-40B4-BE49-F238E27FC236}">
+                <a16:creationId xmlns:a16="http://schemas.microsoft.com/office/drawing/2014/main" id="{4DA30C69-7DAB-A79C-42C0-CA83D4F0C84A}"/>
+              </a:ext>
+            </a:extLst>
+          </p:cNvPr>
+          <p:cNvPicPr>
+            <a:picLocks noChangeAspect="1"/>
+          </p:cNvPicPr>
+          <p:nvPr/>
+        </p:nvPicPr>
+        <p:blipFill>
+          <a:blip r:embed="rId2"/>
+          <a:stretch>
+            <a:fillRect/>
+          </a:stretch>
+        </p:blipFill>
+        <p:spPr>
+          <a:xfrm>
+            <a:off x="0" y="1476227"/>
+            <a:ext cx="6151647" cy="4253343"/>
+          </a:xfrm>
+          <a:prstGeom prst="rect">
+            <a:avLst/>
+          </a:prstGeom>
+        </p:spPr>
+      </p:pic>
+      <p:pic>
+        <p:nvPicPr>
+          <p:cNvPr id="4" name="Picture 3">
+            <a:extLst>
+              <a:ext uri="{FF2B5EF4-FFF2-40B4-BE49-F238E27FC236}">
+                <a16:creationId xmlns:a16="http://schemas.microsoft.com/office/drawing/2014/main" id="{6147F79B-AE7C-F1F8-BB6A-33433C3329FA}"/>
+              </a:ext>
+            </a:extLst>
+          </p:cNvPr>
+          <p:cNvPicPr>
+            <a:picLocks noChangeAspect="1"/>
+          </p:cNvPicPr>
+          <p:nvPr/>
+        </p:nvPicPr>
+        <p:blipFill>
+          <a:blip r:embed="rId3"/>
+          <a:stretch>
+            <a:fillRect/>
+          </a:stretch>
+        </p:blipFill>
+        <p:spPr>
+          <a:xfrm>
+            <a:off x="6382180" y="127685"/>
+            <a:ext cx="4167909" cy="3301314"/>
+          </a:xfrm>
+          <a:prstGeom prst="rect">
+            <a:avLst/>
+          </a:prstGeom>
+        </p:spPr>
+      </p:pic>
+      <p:pic>
+        <p:nvPicPr>
+          <p:cNvPr id="5" name="Picture 4">
+            <a:extLst>
+              <a:ext uri="{FF2B5EF4-FFF2-40B4-BE49-F238E27FC236}">
+                <a16:creationId xmlns:a16="http://schemas.microsoft.com/office/drawing/2014/main" id="{33AAA03F-96F4-6B82-3B42-5A33D5EA5591}"/>
+              </a:ext>
+            </a:extLst>
+          </p:cNvPr>
+          <p:cNvPicPr>
+            <a:picLocks noChangeAspect="1"/>
+          </p:cNvPicPr>
+          <p:nvPr/>
+        </p:nvPicPr>
+        <p:blipFill>
+          <a:blip r:embed="rId4"/>
+          <a:stretch>
+            <a:fillRect/>
+          </a:stretch>
+        </p:blipFill>
+        <p:spPr>
+          <a:xfrm>
+            <a:off x="6096000" y="3602899"/>
+            <a:ext cx="6007444" cy="2484210"/>
+          </a:xfrm>
+          <a:prstGeom prst="rect">
+            <a:avLst/>
+          </a:prstGeom>
+        </p:spPr>
+      </p:pic>
+      <p:pic>
+        <p:nvPicPr>
+          <p:cNvPr id="6" name="Picture 5">
+            <a:extLst>
+              <a:ext uri="{FF2B5EF4-FFF2-40B4-BE49-F238E27FC236}">
+                <a16:creationId xmlns:a16="http://schemas.microsoft.com/office/drawing/2014/main" id="{CBFCBCBC-3688-F75D-ED80-0D15B5FDFBE9}"/>
+              </a:ext>
+            </a:extLst>
+          </p:cNvPr>
+          <p:cNvPicPr>
+            <a:picLocks noChangeAspect="1"/>
+          </p:cNvPicPr>
+          <p:nvPr/>
+        </p:nvPicPr>
+        <p:blipFill>
+          <a:blip r:embed="rId5"/>
+          <a:stretch>
+            <a:fillRect/>
+          </a:stretch>
+        </p:blipFill>
+        <p:spPr>
+          <a:xfrm>
+            <a:off x="1221259" y="6033174"/>
+            <a:ext cx="6946557" cy="737186"/>
+          </a:xfrm>
+          <a:prstGeom prst="rect">
+            <a:avLst/>
+          </a:prstGeom>
+        </p:spPr>
+      </p:pic>
+    </p:spTree>
+    <p:extLst>
+      <p:ext uri="{BB962C8B-B14F-4D97-AF65-F5344CB8AC3E}">
+        <p14:creationId xmlns:p14="http://schemas.microsoft.com/office/powerpoint/2010/main" val="1187097390"/>
+      </p:ext>
+    </p:extLst>
+  </p:cSld>
+  <p:clrMapOvr>
+    <a:masterClrMapping/>
+  </p:clrMapOvr>
+</p:sld>
+</file>
+
+<file path=ppt/slides/slide6.xml><?xml version="1.0" encoding="utf-8"?>
+<p:sld xmlns:a="http://schemas.openxmlformats.org/drawingml/2006/main" xmlns:r="http://schemas.openxmlformats.org/officeDocument/2006/relationships" xmlns:p="http://schemas.openxmlformats.org/presentationml/2006/main">
+  <p:cSld>
     <p:bg>
       <p:bgPr>
         <a:solidFill>
